--- a/27 数据库架构设计.pptx
+++ b/27 数据库架构设计.pptx
@@ -202,7 +202,7 @@
           <a:p>
             <a:fld id="{12917036-4097-4A67-B82A-FD5C6195453D}" type="datetimeFigureOut">
               <a:rPr lang="zh-CN" altLang="en-US" smtClean="0"/>
-              <a:t>2018/4/9</a:t>
+              <a:t>2018/4/10</a:t>
             </a:fld>
             <a:endParaRPr lang="zh-CN" altLang="en-US"/>
           </a:p>
@@ -924,7 +924,7 @@
           <a:p>
             <a:fld id="{530820CF-B880-4189-942D-D702A7CBA730}" type="datetimeFigureOut">
               <a:rPr lang="zh-CN" altLang="en-US" smtClean="0"/>
-              <a:t>2018/4/9</a:t>
+              <a:t>2018/4/10</a:t>
             </a:fld>
             <a:endParaRPr lang="zh-CN" altLang="en-US"/>
           </a:p>
@@ -3333,7 +3333,7 @@
           <a:p>
             <a:fld id="{530820CF-B880-4189-942D-D702A7CBA730}" type="datetimeFigureOut">
               <a:rPr lang="zh-CN" altLang="en-US" smtClean="0"/>
-              <a:t>2018/4/9</a:t>
+              <a:t>2018/4/10</a:t>
             </a:fld>
             <a:endParaRPr lang="zh-CN" altLang="en-US"/>
           </a:p>
@@ -5253,7 +5253,7 @@
           <a:p>
             <a:fld id="{530820CF-B880-4189-942D-D702A7CBA730}" type="datetimeFigureOut">
               <a:rPr lang="zh-CN" altLang="en-US" smtClean="0"/>
-              <a:t>2018/4/9</a:t>
+              <a:t>2018/4/10</a:t>
             </a:fld>
             <a:endParaRPr lang="zh-CN" altLang="en-US"/>
           </a:p>
@@ -6589,7 +6589,7 @@
           <a:p>
             <a:pPr algn="ctr"/>
             <a:r>
-              <a:rPr lang="en-US" altLang="zh-CN" sz="2800" dirty="0">
+              <a:rPr lang="en-US" altLang="zh-CN" sz="2800">
                 <a:solidFill>
                   <a:schemeClr val="tx1"/>
                 </a:solidFill>
@@ -6597,12 +6597,12 @@
               <a:t>userid%3</a:t>
             </a:r>
             <a:r>
-              <a:rPr lang="en-US" altLang="zh-CN" sz="2800" dirty="0" smtClean="0">
+              <a:rPr lang="en-US" altLang="zh-CN" sz="2800" smtClean="0">
                 <a:solidFill>
                   <a:schemeClr val="tx1"/>
                 </a:solidFill>
               </a:rPr>
-              <a:t>==3</a:t>
+              <a:t>==0</a:t>
             </a:r>
             <a:endParaRPr lang="en-US" altLang="zh-CN" sz="2800" dirty="0">
               <a:solidFill>
